--- a/slides/update.pptx
+++ b/slides/update.pptx
@@ -7,6 +7,7 @@
   <p:sldIdLst>
     <p:sldId id="256" r:id="rId2"/>
     <p:sldId id="257" r:id="rId3"/>
+    <p:sldId id="258" r:id="rId4"/>
   </p:sldIdLst>
   <p:sldSz cx="12192000" cy="6858000"/>
   <p:notesSz cx="6858000" cy="9144000"/>
@@ -3638,7 +3639,7 @@
         </p:blipFill>
         <p:spPr>
           <a:xfrm>
-            <a:off x="0" y="3116174"/>
+            <a:off x="0" y="3126806"/>
             <a:ext cx="3127254" cy="4087376"/>
           </a:xfrm>
           <a:prstGeom prst="rect">
@@ -3674,7 +3675,7 @@
         </p:blipFill>
         <p:spPr>
           <a:xfrm>
-            <a:off x="-186897" y="-1236859"/>
+            <a:off x="-186897" y="-1226227"/>
             <a:ext cx="5852172" cy="4389129"/>
           </a:xfrm>
           <a:prstGeom prst="rect">
@@ -3686,6 +3687,216 @@
     <p:extLst>
       <p:ext uri="{BB962C8B-B14F-4D97-AF65-F5344CB8AC3E}">
         <p14:creationId xmlns:p14="http://schemas.microsoft.com/office/powerpoint/2010/main" val="3596762935"/>
+      </p:ext>
+    </p:extLst>
+  </p:cSld>
+  <p:clrMapOvr>
+    <a:masterClrMapping/>
+  </p:clrMapOvr>
+</p:sld>
+</file>
+
+<file path=ppt/slides/slide3.xml><?xml version="1.0" encoding="utf-8"?>
+<p:sld xmlns:a="http://schemas.openxmlformats.org/drawingml/2006/main" xmlns:r="http://schemas.openxmlformats.org/officeDocument/2006/relationships" xmlns:p="http://schemas.openxmlformats.org/presentationml/2006/main">
+  <p:cSld>
+    <p:spTree>
+      <p:nvGrpSpPr>
+        <p:cNvPr id="1" name=""/>
+        <p:cNvGrpSpPr/>
+        <p:nvPr/>
+      </p:nvGrpSpPr>
+      <p:grpSpPr>
+        <a:xfrm>
+          <a:off x="0" y="0"/>
+          <a:ext cx="0" cy="0"/>
+          <a:chOff x="0" y="0"/>
+          <a:chExt cx="0" cy="0"/>
+        </a:xfrm>
+      </p:grpSpPr>
+      <p:pic>
+        <p:nvPicPr>
+          <p:cNvPr id="4" name="Picture 3" descr="A picture containing shape&#10;&#10;Description automatically generated">
+            <a:extLst>
+              <a:ext uri="{FF2B5EF4-FFF2-40B4-BE49-F238E27FC236}">
+                <a16:creationId xmlns:a16="http://schemas.microsoft.com/office/drawing/2014/main" id="{DF6EA223-F5B3-8C37-3D8F-21DA1F7E8054}"/>
+              </a:ext>
+            </a:extLst>
+          </p:cNvPr>
+          <p:cNvPicPr>
+            <a:picLocks noChangeAspect="1"/>
+          </p:cNvPicPr>
+          <p:nvPr/>
+        </p:nvPicPr>
+        <p:blipFill>
+          <a:blip r:embed="rId2">
+            <a:extLst>
+              <a:ext uri="{28A0092B-C50C-407E-A947-70E740481C1C}">
+                <a14:useLocalDpi xmlns:a14="http://schemas.microsoft.com/office/drawing/2010/main" val="0"/>
+              </a:ext>
+            </a:extLst>
+          </a:blip>
+          <a:stretch>
+            <a:fillRect/>
+          </a:stretch>
+        </p:blipFill>
+        <p:spPr>
+          <a:xfrm>
+            <a:off x="-93449" y="3125193"/>
+            <a:ext cx="3127254" cy="4087376"/>
+          </a:xfrm>
+          <a:prstGeom prst="rect">
+            <a:avLst/>
+          </a:prstGeom>
+        </p:spPr>
+      </p:pic>
+      <p:pic>
+        <p:nvPicPr>
+          <p:cNvPr id="5" name="Picture 4" descr="Chart&#10;&#10;Description automatically generated">
+            <a:extLst>
+              <a:ext uri="{FF2B5EF4-FFF2-40B4-BE49-F238E27FC236}">
+                <a16:creationId xmlns:a16="http://schemas.microsoft.com/office/drawing/2014/main" id="{CC80418D-9B06-72D6-0CFB-281EC029E1F3}"/>
+              </a:ext>
+            </a:extLst>
+          </p:cNvPr>
+          <p:cNvPicPr>
+            <a:picLocks noChangeAspect="1"/>
+          </p:cNvPicPr>
+          <p:nvPr/>
+        </p:nvPicPr>
+        <p:blipFill>
+          <a:blip r:embed="rId3">
+            <a:extLst>
+              <a:ext uri="{28A0092B-C50C-407E-A947-70E740481C1C}">
+                <a14:useLocalDpi xmlns:a14="http://schemas.microsoft.com/office/drawing/2010/main" val="0"/>
+              </a:ext>
+            </a:extLst>
+          </a:blip>
+          <a:stretch>
+            <a:fillRect/>
+          </a:stretch>
+        </p:blipFill>
+        <p:spPr>
+          <a:xfrm>
+            <a:off x="-186897" y="-1101287"/>
+            <a:ext cx="5852172" cy="4389129"/>
+          </a:xfrm>
+          <a:prstGeom prst="rect">
+            <a:avLst/>
+          </a:prstGeom>
+        </p:spPr>
+      </p:pic>
+      <p:pic>
+        <p:nvPicPr>
+          <p:cNvPr id="11" name="Picture 10" descr="A picture containing dark, chain&#10;&#10;Description automatically generated">
+            <a:extLst>
+              <a:ext uri="{FF2B5EF4-FFF2-40B4-BE49-F238E27FC236}">
+                <a16:creationId xmlns:a16="http://schemas.microsoft.com/office/drawing/2014/main" id="{9ED19C55-A3C2-EBA8-A7D2-C805AC1AB626}"/>
+              </a:ext>
+            </a:extLst>
+          </p:cNvPr>
+          <p:cNvPicPr>
+            <a:picLocks noChangeAspect="1"/>
+          </p:cNvPicPr>
+          <p:nvPr/>
+        </p:nvPicPr>
+        <p:blipFill>
+          <a:blip r:embed="rId4">
+            <a:extLst>
+              <a:ext uri="{28A0092B-C50C-407E-A947-70E740481C1C}">
+                <a14:useLocalDpi xmlns:a14="http://schemas.microsoft.com/office/drawing/2010/main" val="0"/>
+              </a:ext>
+            </a:extLst>
+          </a:blip>
+          <a:stretch>
+            <a:fillRect/>
+          </a:stretch>
+        </p:blipFill>
+        <p:spPr>
+          <a:xfrm>
+            <a:off x="4054924" y="2586363"/>
+            <a:ext cx="5852172" cy="4389129"/>
+          </a:xfrm>
+          <a:prstGeom prst="rect">
+            <a:avLst/>
+          </a:prstGeom>
+        </p:spPr>
+      </p:pic>
+      <p:pic>
+        <p:nvPicPr>
+          <p:cNvPr id="19" name="Picture 18" descr="A picture containing text&#10;&#10;Description automatically generated">
+            <a:extLst>
+              <a:ext uri="{FF2B5EF4-FFF2-40B4-BE49-F238E27FC236}">
+                <a16:creationId xmlns:a16="http://schemas.microsoft.com/office/drawing/2014/main" id="{90F71601-4216-5A5E-383D-19AADE1917CC}"/>
+              </a:ext>
+            </a:extLst>
+          </p:cNvPr>
+          <p:cNvPicPr>
+            <a:picLocks noChangeAspect="1"/>
+          </p:cNvPicPr>
+          <p:nvPr/>
+        </p:nvPicPr>
+        <p:blipFill>
+          <a:blip r:embed="rId5">
+            <a:extLst>
+              <a:ext uri="{28A0092B-C50C-407E-A947-70E740481C1C}">
+                <a14:useLocalDpi xmlns:a14="http://schemas.microsoft.com/office/drawing/2010/main" val="0"/>
+              </a:ext>
+            </a:extLst>
+          </a:blip>
+          <a:stretch>
+            <a:fillRect/>
+          </a:stretch>
+        </p:blipFill>
+        <p:spPr>
+          <a:xfrm>
+            <a:off x="8203297" y="18856"/>
+            <a:ext cx="5852172" cy="4389129"/>
+          </a:xfrm>
+          <a:prstGeom prst="rect">
+            <a:avLst/>
+          </a:prstGeom>
+        </p:spPr>
+      </p:pic>
+      <p:pic>
+        <p:nvPicPr>
+          <p:cNvPr id="23" name="Picture 22" descr="A picture containing text, monitor, screen, mounted&#10;&#10;Description automatically generated">
+            <a:extLst>
+              <a:ext uri="{FF2B5EF4-FFF2-40B4-BE49-F238E27FC236}">
+                <a16:creationId xmlns:a16="http://schemas.microsoft.com/office/drawing/2014/main" id="{50C26296-B0D8-2BD4-0CB5-93DC40B1463C}"/>
+              </a:ext>
+            </a:extLst>
+          </p:cNvPr>
+          <p:cNvPicPr>
+            <a:picLocks noChangeAspect="1"/>
+          </p:cNvPicPr>
+          <p:nvPr/>
+        </p:nvPicPr>
+        <p:blipFill>
+          <a:blip r:embed="rId6">
+            <a:extLst>
+              <a:ext uri="{28A0092B-C50C-407E-A947-70E740481C1C}">
+                <a14:useLocalDpi xmlns:a14="http://schemas.microsoft.com/office/drawing/2010/main" val="0"/>
+              </a:ext>
+            </a:extLst>
+          </a:blip>
+          <a:stretch>
+            <a:fillRect/>
+          </a:stretch>
+        </p:blipFill>
+        <p:spPr>
+          <a:xfrm>
+            <a:off x="6027596" y="-26864"/>
+            <a:ext cx="3547879" cy="2240285"/>
+          </a:xfrm>
+          <a:prstGeom prst="rect">
+            <a:avLst/>
+          </a:prstGeom>
+        </p:spPr>
+      </p:pic>
+    </p:spTree>
+    <p:extLst>
+      <p:ext uri="{BB962C8B-B14F-4D97-AF65-F5344CB8AC3E}">
+        <p14:creationId xmlns:p14="http://schemas.microsoft.com/office/powerpoint/2010/main" val="4133741747"/>
       </p:ext>
     </p:extLst>
   </p:cSld>

--- a/slides/update.pptx
+++ b/slides/update.pptx
@@ -106,6 +106,11 @@
       </a:defRPr>
     </a:lvl9pPr>
   </p:defaultTextStyle>
+  <p:extLst>
+    <p:ext uri="{EFAFB233-063F-42B5-8137-9DF3F51BA10A}">
+      <p15:sldGuideLst xmlns:p15="http://schemas.microsoft.com/office/powerpoint/2012/main"/>
+    </p:ext>
+  </p:extLst>
 </p:presentation>
 </file>
 
@@ -256,7 +261,7 @@
           <a:p>
             <a:fld id="{F4C5C1D6-8A76-4E3D-9543-AF73DC078787}" type="datetimeFigureOut">
               <a:rPr lang="en-US" smtClean="0"/>
-              <a:t>4/26/2023</a:t>
+              <a:t>4/27/2023</a:t>
             </a:fld>
             <a:endParaRPr lang="en-US"/>
           </a:p>
@@ -454,7 +459,7 @@
           <a:p>
             <a:fld id="{F4C5C1D6-8A76-4E3D-9543-AF73DC078787}" type="datetimeFigureOut">
               <a:rPr lang="en-US" smtClean="0"/>
-              <a:t>4/26/2023</a:t>
+              <a:t>4/27/2023</a:t>
             </a:fld>
             <a:endParaRPr lang="en-US"/>
           </a:p>
@@ -662,7 +667,7 @@
           <a:p>
             <a:fld id="{F4C5C1D6-8A76-4E3D-9543-AF73DC078787}" type="datetimeFigureOut">
               <a:rPr lang="en-US" smtClean="0"/>
-              <a:t>4/26/2023</a:t>
+              <a:t>4/27/2023</a:t>
             </a:fld>
             <a:endParaRPr lang="en-US"/>
           </a:p>
@@ -860,7 +865,7 @@
           <a:p>
             <a:fld id="{F4C5C1D6-8A76-4E3D-9543-AF73DC078787}" type="datetimeFigureOut">
               <a:rPr lang="en-US" smtClean="0"/>
-              <a:t>4/26/2023</a:t>
+              <a:t>4/27/2023</a:t>
             </a:fld>
             <a:endParaRPr lang="en-US"/>
           </a:p>
@@ -1135,7 +1140,7 @@
           <a:p>
             <a:fld id="{F4C5C1D6-8A76-4E3D-9543-AF73DC078787}" type="datetimeFigureOut">
               <a:rPr lang="en-US" smtClean="0"/>
-              <a:t>4/26/2023</a:t>
+              <a:t>4/27/2023</a:t>
             </a:fld>
             <a:endParaRPr lang="en-US"/>
           </a:p>
@@ -1400,7 +1405,7 @@
           <a:p>
             <a:fld id="{F4C5C1D6-8A76-4E3D-9543-AF73DC078787}" type="datetimeFigureOut">
               <a:rPr lang="en-US" smtClean="0"/>
-              <a:t>4/26/2023</a:t>
+              <a:t>4/27/2023</a:t>
             </a:fld>
             <a:endParaRPr lang="en-US"/>
           </a:p>
@@ -1812,7 +1817,7 @@
           <a:p>
             <a:fld id="{F4C5C1D6-8A76-4E3D-9543-AF73DC078787}" type="datetimeFigureOut">
               <a:rPr lang="en-US" smtClean="0"/>
-              <a:t>4/26/2023</a:t>
+              <a:t>4/27/2023</a:t>
             </a:fld>
             <a:endParaRPr lang="en-US"/>
           </a:p>
@@ -1953,7 +1958,7 @@
           <a:p>
             <a:fld id="{F4C5C1D6-8A76-4E3D-9543-AF73DC078787}" type="datetimeFigureOut">
               <a:rPr lang="en-US" smtClean="0"/>
-              <a:t>4/26/2023</a:t>
+              <a:t>4/27/2023</a:t>
             </a:fld>
             <a:endParaRPr lang="en-US"/>
           </a:p>
@@ -2066,7 +2071,7 @@
           <a:p>
             <a:fld id="{F4C5C1D6-8A76-4E3D-9543-AF73DC078787}" type="datetimeFigureOut">
               <a:rPr lang="en-US" smtClean="0"/>
-              <a:t>4/26/2023</a:t>
+              <a:t>4/27/2023</a:t>
             </a:fld>
             <a:endParaRPr lang="en-US"/>
           </a:p>
@@ -2377,7 +2382,7 @@
           <a:p>
             <a:fld id="{F4C5C1D6-8A76-4E3D-9543-AF73DC078787}" type="datetimeFigureOut">
               <a:rPr lang="en-US" smtClean="0"/>
-              <a:t>4/26/2023</a:t>
+              <a:t>4/27/2023</a:t>
             </a:fld>
             <a:endParaRPr lang="en-US"/>
           </a:p>
@@ -2665,7 +2670,7 @@
           <a:p>
             <a:fld id="{F4C5C1D6-8A76-4E3D-9543-AF73DC078787}" type="datetimeFigureOut">
               <a:rPr lang="en-US" smtClean="0"/>
-              <a:t>4/26/2023</a:t>
+              <a:t>4/27/2023</a:t>
             </a:fld>
             <a:endParaRPr lang="en-US"/>
           </a:p>
@@ -2906,7 +2911,7 @@
           <a:p>
             <a:fld id="{F4C5C1D6-8A76-4E3D-9543-AF73DC078787}" type="datetimeFigureOut">
               <a:rPr lang="en-US" smtClean="0"/>
-              <a:t>4/26/2023</a:t>
+              <a:t>4/27/2023</a:t>
             </a:fld>
             <a:endParaRPr lang="en-US"/>
           </a:p>
@@ -3531,7 +3536,7 @@
         </p:blipFill>
         <p:spPr>
           <a:xfrm>
-            <a:off x="8240816" y="2360102"/>
+            <a:off x="8979426" y="2743355"/>
             <a:ext cx="5852172" cy="4389129"/>
           </a:xfrm>
           <a:prstGeom prst="rect">
@@ -3603,7 +3608,7 @@
         </p:blipFill>
         <p:spPr>
           <a:xfrm>
-            <a:off x="2575541" y="2360102"/>
+            <a:off x="3127254" y="2717868"/>
             <a:ext cx="5852172" cy="4389129"/>
           </a:xfrm>
           <a:prstGeom prst="rect">
@@ -3713,186 +3718,531 @@
           <a:chExt cx="0" cy="0"/>
         </a:xfrm>
       </p:grpSpPr>
-      <p:pic>
-        <p:nvPicPr>
-          <p:cNvPr id="4" name="Picture 3" descr="A picture containing shape&#10;&#10;Description automatically generated">
-            <a:extLst>
-              <a:ext uri="{FF2B5EF4-FFF2-40B4-BE49-F238E27FC236}">
-                <a16:creationId xmlns:a16="http://schemas.microsoft.com/office/drawing/2014/main" id="{DF6EA223-F5B3-8C37-3D8F-21DA1F7E8054}"/>
-              </a:ext>
-            </a:extLst>
-          </p:cNvPr>
-          <p:cNvPicPr>
-            <a:picLocks noChangeAspect="1"/>
-          </p:cNvPicPr>
+      <p:grpSp>
+        <p:nvGrpSpPr>
+          <p:cNvPr id="47" name="Group 46">
+            <a:extLst>
+              <a:ext uri="{FF2B5EF4-FFF2-40B4-BE49-F238E27FC236}">
+                <a16:creationId xmlns:a16="http://schemas.microsoft.com/office/drawing/2014/main" id="{260A37C3-762F-B58E-E275-AD3A078AF177}"/>
+              </a:ext>
+            </a:extLst>
+          </p:cNvPr>
+          <p:cNvGrpSpPr/>
           <p:nvPr/>
-        </p:nvPicPr>
-        <p:blipFill>
-          <a:blip r:embed="rId2">
-            <a:extLst>
-              <a:ext uri="{28A0092B-C50C-407E-A947-70E740481C1C}">
-                <a14:useLocalDpi xmlns:a14="http://schemas.microsoft.com/office/drawing/2010/main" val="0"/>
-              </a:ext>
-            </a:extLst>
-          </a:blip>
-          <a:stretch>
-            <a:fillRect/>
-          </a:stretch>
-        </p:blipFill>
-        <p:spPr>
+        </p:nvGrpSpPr>
+        <p:grpSpPr>
           <a:xfrm>
-            <a:off x="-93449" y="3125193"/>
-            <a:ext cx="3127254" cy="4087376"/>
+            <a:off x="1544130" y="-1653593"/>
+            <a:ext cx="11086020" cy="8511593"/>
+            <a:chOff x="1544130" y="-1653593"/>
+            <a:chExt cx="11086020" cy="8511593"/>
           </a:xfrm>
-          <a:prstGeom prst="rect">
-            <a:avLst/>
-          </a:prstGeom>
-        </p:spPr>
-      </p:pic>
-      <p:pic>
-        <p:nvPicPr>
-          <p:cNvPr id="5" name="Picture 4" descr="Chart&#10;&#10;Description automatically generated">
-            <a:extLst>
-              <a:ext uri="{FF2B5EF4-FFF2-40B4-BE49-F238E27FC236}">
-                <a16:creationId xmlns:a16="http://schemas.microsoft.com/office/drawing/2014/main" id="{CC80418D-9B06-72D6-0CFB-281EC029E1F3}"/>
-              </a:ext>
-            </a:extLst>
-          </p:cNvPr>
-          <p:cNvPicPr>
-            <a:picLocks noChangeAspect="1"/>
-          </p:cNvPicPr>
-          <p:nvPr/>
-        </p:nvPicPr>
-        <p:blipFill>
-          <a:blip r:embed="rId3">
-            <a:extLst>
-              <a:ext uri="{28A0092B-C50C-407E-A947-70E740481C1C}">
-                <a14:useLocalDpi xmlns:a14="http://schemas.microsoft.com/office/drawing/2010/main" val="0"/>
-              </a:ext>
-            </a:extLst>
-          </a:blip>
-          <a:stretch>
-            <a:fillRect/>
-          </a:stretch>
-        </p:blipFill>
-        <p:spPr>
-          <a:xfrm>
-            <a:off x="-186897" y="-1101287"/>
-            <a:ext cx="5852172" cy="4389129"/>
-          </a:xfrm>
-          <a:prstGeom prst="rect">
-            <a:avLst/>
-          </a:prstGeom>
-        </p:spPr>
-      </p:pic>
-      <p:pic>
-        <p:nvPicPr>
-          <p:cNvPr id="11" name="Picture 10" descr="A picture containing dark, chain&#10;&#10;Description automatically generated">
-            <a:extLst>
-              <a:ext uri="{FF2B5EF4-FFF2-40B4-BE49-F238E27FC236}">
-                <a16:creationId xmlns:a16="http://schemas.microsoft.com/office/drawing/2014/main" id="{9ED19C55-A3C2-EBA8-A7D2-C805AC1AB626}"/>
-              </a:ext>
-            </a:extLst>
-          </p:cNvPr>
-          <p:cNvPicPr>
-            <a:picLocks noChangeAspect="1"/>
-          </p:cNvPicPr>
-          <p:nvPr/>
-        </p:nvPicPr>
-        <p:blipFill>
-          <a:blip r:embed="rId4">
-            <a:extLst>
-              <a:ext uri="{28A0092B-C50C-407E-A947-70E740481C1C}">
-                <a14:useLocalDpi xmlns:a14="http://schemas.microsoft.com/office/drawing/2010/main" val="0"/>
-              </a:ext>
-            </a:extLst>
-          </a:blip>
-          <a:stretch>
-            <a:fillRect/>
-          </a:stretch>
-        </p:blipFill>
-        <p:spPr>
-          <a:xfrm>
-            <a:off x="4054924" y="2586363"/>
-            <a:ext cx="5852172" cy="4389129"/>
-          </a:xfrm>
-          <a:prstGeom prst="rect">
-            <a:avLst/>
-          </a:prstGeom>
-        </p:spPr>
-      </p:pic>
-      <p:pic>
-        <p:nvPicPr>
-          <p:cNvPr id="19" name="Picture 18" descr="A picture containing text&#10;&#10;Description automatically generated">
-            <a:extLst>
-              <a:ext uri="{FF2B5EF4-FFF2-40B4-BE49-F238E27FC236}">
-                <a16:creationId xmlns:a16="http://schemas.microsoft.com/office/drawing/2014/main" id="{90F71601-4216-5A5E-383D-19AADE1917CC}"/>
-              </a:ext>
-            </a:extLst>
-          </p:cNvPr>
-          <p:cNvPicPr>
-            <a:picLocks noChangeAspect="1"/>
-          </p:cNvPicPr>
-          <p:nvPr/>
-        </p:nvPicPr>
-        <p:blipFill>
-          <a:blip r:embed="rId5">
-            <a:extLst>
-              <a:ext uri="{28A0092B-C50C-407E-A947-70E740481C1C}">
-                <a14:useLocalDpi xmlns:a14="http://schemas.microsoft.com/office/drawing/2010/main" val="0"/>
-              </a:ext>
-            </a:extLst>
-          </a:blip>
-          <a:stretch>
-            <a:fillRect/>
-          </a:stretch>
-        </p:blipFill>
-        <p:spPr>
-          <a:xfrm>
-            <a:off x="8203297" y="18856"/>
-            <a:ext cx="5852172" cy="4389129"/>
-          </a:xfrm>
-          <a:prstGeom prst="rect">
-            <a:avLst/>
-          </a:prstGeom>
-        </p:spPr>
-      </p:pic>
-      <p:pic>
-        <p:nvPicPr>
-          <p:cNvPr id="23" name="Picture 22" descr="A picture containing text, monitor, screen, mounted&#10;&#10;Description automatically generated">
-            <a:extLst>
-              <a:ext uri="{FF2B5EF4-FFF2-40B4-BE49-F238E27FC236}">
-                <a16:creationId xmlns:a16="http://schemas.microsoft.com/office/drawing/2014/main" id="{50C26296-B0D8-2BD4-0CB5-93DC40B1463C}"/>
-              </a:ext>
-            </a:extLst>
-          </p:cNvPr>
-          <p:cNvPicPr>
-            <a:picLocks noChangeAspect="1"/>
-          </p:cNvPicPr>
-          <p:nvPr/>
-        </p:nvPicPr>
-        <p:blipFill>
-          <a:blip r:embed="rId6">
-            <a:extLst>
-              <a:ext uri="{28A0092B-C50C-407E-A947-70E740481C1C}">
-                <a14:useLocalDpi xmlns:a14="http://schemas.microsoft.com/office/drawing/2010/main" val="0"/>
-              </a:ext>
-            </a:extLst>
-          </a:blip>
-          <a:stretch>
-            <a:fillRect/>
-          </a:stretch>
-        </p:blipFill>
-        <p:spPr>
-          <a:xfrm>
-            <a:off x="6027596" y="-26864"/>
-            <a:ext cx="3547879" cy="2240285"/>
-          </a:xfrm>
-          <a:prstGeom prst="rect">
-            <a:avLst/>
-          </a:prstGeom>
-        </p:spPr>
-      </p:pic>
+        </p:grpSpPr>
+        <p:grpSp>
+          <p:nvGrpSpPr>
+            <p:cNvPr id="36" name="Group 35">
+              <a:extLst>
+                <a:ext uri="{FF2B5EF4-FFF2-40B4-BE49-F238E27FC236}">
+                  <a16:creationId xmlns:a16="http://schemas.microsoft.com/office/drawing/2014/main" id="{B13EB492-F573-E836-42B4-B98FA697DC52}"/>
+                </a:ext>
+              </a:extLst>
+            </p:cNvPr>
+            <p:cNvGrpSpPr/>
+            <p:nvPr/>
+          </p:nvGrpSpPr>
+          <p:grpSpPr>
+            <a:xfrm>
+              <a:off x="1694030" y="-1653593"/>
+              <a:ext cx="10936120" cy="8511593"/>
+              <a:chOff x="1692800" y="1"/>
+              <a:chExt cx="8811500" cy="6857999"/>
+            </a:xfrm>
+          </p:grpSpPr>
+          <p:grpSp>
+            <p:nvGrpSpPr>
+              <p:cNvPr id="30" name="Group 29">
+                <a:extLst>
+                  <a:ext uri="{FF2B5EF4-FFF2-40B4-BE49-F238E27FC236}">
+                    <a16:creationId xmlns:a16="http://schemas.microsoft.com/office/drawing/2014/main" id="{5DC488ED-45FE-B8D6-5484-8E904BA0DB62}"/>
+                  </a:ext>
+                </a:extLst>
+              </p:cNvPr>
+              <p:cNvGrpSpPr/>
+              <p:nvPr/>
+            </p:nvGrpSpPr>
+            <p:grpSpPr>
+              <a:xfrm>
+                <a:off x="2467406" y="1"/>
+                <a:ext cx="8036894" cy="6857999"/>
+                <a:chOff x="1606287" y="-935756"/>
+                <a:chExt cx="10103294" cy="8621288"/>
+              </a:xfrm>
+            </p:grpSpPr>
+            <p:grpSp>
+              <p:nvGrpSpPr>
+                <p:cNvPr id="28" name="Group 27">
+                  <a:extLst>
+                    <a:ext uri="{FF2B5EF4-FFF2-40B4-BE49-F238E27FC236}">
+                      <a16:creationId xmlns:a16="http://schemas.microsoft.com/office/drawing/2014/main" id="{B034E9C3-2928-0A10-A284-D833F81FDE01}"/>
+                    </a:ext>
+                  </a:extLst>
+                </p:cNvPr>
+                <p:cNvGrpSpPr/>
+                <p:nvPr/>
+              </p:nvGrpSpPr>
+              <p:grpSpPr>
+                <a:xfrm>
+                  <a:off x="1606287" y="3296403"/>
+                  <a:ext cx="8979426" cy="4389129"/>
+                  <a:chOff x="1124462" y="3429000"/>
+                  <a:chExt cx="8979426" cy="4389129"/>
+                </a:xfrm>
+              </p:grpSpPr>
+              <p:pic>
+                <p:nvPicPr>
+                  <p:cNvPr id="4" name="Picture 3" descr="A picture containing shape&#10;&#10;Description automatically generated">
+                    <a:extLst>
+                      <a:ext uri="{FF2B5EF4-FFF2-40B4-BE49-F238E27FC236}">
+                        <a16:creationId xmlns:a16="http://schemas.microsoft.com/office/drawing/2014/main" id="{DF6EA223-F5B3-8C37-3D8F-21DA1F7E8054}"/>
+                      </a:ext>
+                    </a:extLst>
+                  </p:cNvPr>
+                  <p:cNvPicPr>
+                    <a:picLocks noChangeAspect="1"/>
+                  </p:cNvPicPr>
+                  <p:nvPr/>
+                </p:nvPicPr>
+                <p:blipFill>
+                  <a:blip r:embed="rId2">
+                    <a:extLst>
+                      <a:ext uri="{28A0092B-C50C-407E-A947-70E740481C1C}">
+                        <a14:useLocalDpi xmlns:a14="http://schemas.microsoft.com/office/drawing/2010/main" val="0"/>
+                      </a:ext>
+                    </a:extLst>
+                  </a:blip>
+                  <a:stretch>
+                    <a:fillRect/>
+                  </a:stretch>
+                </p:blipFill>
+                <p:spPr>
+                  <a:xfrm>
+                    <a:off x="1124462" y="3715524"/>
+                    <a:ext cx="3127254" cy="4087376"/>
+                  </a:xfrm>
+                  <a:prstGeom prst="rect">
+                    <a:avLst/>
+                  </a:prstGeom>
+                </p:spPr>
+              </p:pic>
+              <p:pic>
+                <p:nvPicPr>
+                  <p:cNvPr id="5" name="Picture 4" descr="Chart&#10;&#10;Description automatically generated">
+                    <a:extLst>
+                      <a:ext uri="{FF2B5EF4-FFF2-40B4-BE49-F238E27FC236}">
+                        <a16:creationId xmlns:a16="http://schemas.microsoft.com/office/drawing/2014/main" id="{CC80418D-9B06-72D6-0CFB-281EC029E1F3}"/>
+                      </a:ext>
+                    </a:extLst>
+                  </p:cNvPr>
+                  <p:cNvPicPr>
+                    <a:picLocks noChangeAspect="1"/>
+                  </p:cNvPicPr>
+                  <p:nvPr/>
+                </p:nvPicPr>
+                <p:blipFill>
+                  <a:blip r:embed="rId3">
+                    <a:extLst>
+                      <a:ext uri="{28A0092B-C50C-407E-A947-70E740481C1C}">
+                        <a14:useLocalDpi xmlns:a14="http://schemas.microsoft.com/office/drawing/2010/main" val="0"/>
+                      </a:ext>
+                    </a:extLst>
+                  </a:blip>
+                  <a:stretch>
+                    <a:fillRect/>
+                  </a:stretch>
+                </p:blipFill>
+                <p:spPr>
+                  <a:xfrm>
+                    <a:off x="4251716" y="3429000"/>
+                    <a:ext cx="5852172" cy="4389129"/>
+                  </a:xfrm>
+                  <a:prstGeom prst="rect">
+                    <a:avLst/>
+                  </a:prstGeom>
+                </p:spPr>
+              </p:pic>
+            </p:grpSp>
+            <p:grpSp>
+              <p:nvGrpSpPr>
+                <p:cNvPr id="27" name="Group 26">
+                  <a:extLst>
+                    <a:ext uri="{FF2B5EF4-FFF2-40B4-BE49-F238E27FC236}">
+                      <a16:creationId xmlns:a16="http://schemas.microsoft.com/office/drawing/2014/main" id="{954DF96E-42A2-FC18-951D-28AAEC87BF2E}"/>
+                    </a:ext>
+                  </a:extLst>
+                </p:cNvPr>
+                <p:cNvGrpSpPr/>
+                <p:nvPr/>
+              </p:nvGrpSpPr>
+              <p:grpSpPr>
+                <a:xfrm>
+                  <a:off x="4496728" y="-935756"/>
+                  <a:ext cx="7212853" cy="4389129"/>
+                  <a:chOff x="4166408" y="-935756"/>
+                  <a:chExt cx="7212853" cy="4389129"/>
+                </a:xfrm>
+              </p:grpSpPr>
+              <p:pic>
+                <p:nvPicPr>
+                  <p:cNvPr id="19" name="Picture 18" descr="A picture containing text&#10;&#10;Description automatically generated">
+                    <a:extLst>
+                      <a:ext uri="{FF2B5EF4-FFF2-40B4-BE49-F238E27FC236}">
+                        <a16:creationId xmlns:a16="http://schemas.microsoft.com/office/drawing/2014/main" id="{90F71601-4216-5A5E-383D-19AADE1917CC}"/>
+                      </a:ext>
+                    </a:extLst>
+                  </p:cNvPr>
+                  <p:cNvPicPr>
+                    <a:picLocks noChangeAspect="1"/>
+                  </p:cNvPicPr>
+                  <p:nvPr/>
+                </p:nvPicPr>
+                <p:blipFill>
+                  <a:blip r:embed="rId4">
+                    <a:extLst>
+                      <a:ext uri="{28A0092B-C50C-407E-A947-70E740481C1C}">
+                        <a14:useLocalDpi xmlns:a14="http://schemas.microsoft.com/office/drawing/2010/main" val="0"/>
+                      </a:ext>
+                    </a:extLst>
+                  </a:blip>
+                  <a:stretch>
+                    <a:fillRect/>
+                  </a:stretch>
+                </p:blipFill>
+                <p:spPr>
+                  <a:xfrm>
+                    <a:off x="4166408" y="-935756"/>
+                    <a:ext cx="5852173" cy="4389129"/>
+                  </a:xfrm>
+                  <a:prstGeom prst="rect">
+                    <a:avLst/>
+                  </a:prstGeom>
+                </p:spPr>
+              </p:pic>
+              <p:pic>
+                <p:nvPicPr>
+                  <p:cNvPr id="18" name="Picture 17" descr="A picture containing text, monitor, screen, television&#10;&#10;Description automatically generated">
+                    <a:extLst>
+                      <a:ext uri="{FF2B5EF4-FFF2-40B4-BE49-F238E27FC236}">
+                        <a16:creationId xmlns:a16="http://schemas.microsoft.com/office/drawing/2014/main" id="{DF9FBBD1-935F-58D3-8597-87785F59266D}"/>
+                      </a:ext>
+                    </a:extLst>
+                  </p:cNvPr>
+                  <p:cNvPicPr>
+                    <a:picLocks noChangeAspect="1"/>
+                  </p:cNvPicPr>
+                  <p:nvPr/>
+                </p:nvPicPr>
+                <p:blipFill>
+                  <a:blip r:embed="rId5">
+                    <a:extLst>
+                      <a:ext uri="{28A0092B-C50C-407E-A947-70E740481C1C}">
+                        <a14:useLocalDpi xmlns:a14="http://schemas.microsoft.com/office/drawing/2010/main" val="0"/>
+                      </a:ext>
+                    </a:extLst>
+                  </a:blip>
+                  <a:stretch>
+                    <a:fillRect/>
+                  </a:stretch>
+                </p:blipFill>
+                <p:spPr>
+                  <a:xfrm>
+                    <a:off x="8279440" y="1491981"/>
+                    <a:ext cx="3099821" cy="1801372"/>
+                  </a:xfrm>
+                  <a:prstGeom prst="rect">
+                    <a:avLst/>
+                  </a:prstGeom>
+                </p:spPr>
+              </p:pic>
+              <p:cxnSp>
+                <p:nvCxnSpPr>
+                  <p:cNvPr id="21" name="Straight Connector 20">
+                    <a:extLst>
+                      <a:ext uri="{FF2B5EF4-FFF2-40B4-BE49-F238E27FC236}">
+                        <a16:creationId xmlns:a16="http://schemas.microsoft.com/office/drawing/2014/main" id="{493D37E1-702F-C973-AFC9-E68DFB5C6749}"/>
+                      </a:ext>
+                    </a:extLst>
+                  </p:cNvPr>
+                  <p:cNvCxnSpPr>
+                    <a:cxnSpLocks/>
+                  </p:cNvCxnSpPr>
+                  <p:nvPr/>
+                </p:nvCxnSpPr>
+                <p:spPr>
+                  <a:xfrm flipV="1">
+                    <a:off x="7439838" y="1847850"/>
+                    <a:ext cx="857250" cy="544817"/>
+                  </a:xfrm>
+                  <a:prstGeom prst="line">
+                    <a:avLst/>
+                  </a:prstGeom>
+                  <a:ln w="38100">
+                    <a:solidFill>
+                      <a:srgbClr val="FF0000"/>
+                    </a:solidFill>
+                    <a:prstDash val="dash"/>
+                  </a:ln>
+                </p:spPr>
+                <p:style>
+                  <a:lnRef idx="1">
+                    <a:schemeClr val="accent1"/>
+                  </a:lnRef>
+                  <a:fillRef idx="0">
+                    <a:schemeClr val="accent1"/>
+                  </a:fillRef>
+                  <a:effectRef idx="0">
+                    <a:schemeClr val="accent1"/>
+                  </a:effectRef>
+                  <a:fontRef idx="minor">
+                    <a:schemeClr val="tx1"/>
+                  </a:fontRef>
+                </p:style>
+              </p:cxnSp>
+              <p:cxnSp>
+                <p:nvCxnSpPr>
+                  <p:cNvPr id="24" name="Straight Connector 23">
+                    <a:extLst>
+                      <a:ext uri="{FF2B5EF4-FFF2-40B4-BE49-F238E27FC236}">
+                        <a16:creationId xmlns:a16="http://schemas.microsoft.com/office/drawing/2014/main" id="{60541F39-96E5-5164-0FE7-6C62173DD8BE}"/>
+                      </a:ext>
+                    </a:extLst>
+                  </p:cNvPr>
+                  <p:cNvCxnSpPr>
+                    <a:cxnSpLocks/>
+                  </p:cNvCxnSpPr>
+                  <p:nvPr/>
+                </p:nvCxnSpPr>
+                <p:spPr>
+                  <a:xfrm>
+                    <a:off x="7439838" y="2802995"/>
+                    <a:ext cx="857250" cy="102130"/>
+                  </a:xfrm>
+                  <a:prstGeom prst="line">
+                    <a:avLst/>
+                  </a:prstGeom>
+                  <a:ln w="38100">
+                    <a:solidFill>
+                      <a:srgbClr val="FF0000"/>
+                    </a:solidFill>
+                    <a:prstDash val="dash"/>
+                  </a:ln>
+                </p:spPr>
+                <p:style>
+                  <a:lnRef idx="1">
+                    <a:schemeClr val="accent1"/>
+                  </a:lnRef>
+                  <a:fillRef idx="0">
+                    <a:schemeClr val="accent1"/>
+                  </a:fillRef>
+                  <a:effectRef idx="0">
+                    <a:schemeClr val="accent1"/>
+                  </a:effectRef>
+                  <a:fontRef idx="minor">
+                    <a:schemeClr val="tx1"/>
+                  </a:fontRef>
+                </p:style>
+              </p:cxnSp>
+            </p:grpSp>
+          </p:grpSp>
+          <p:sp>
+            <p:nvSpPr>
+              <p:cNvPr id="31" name="TextBox 30">
+                <a:extLst>
+                  <a:ext uri="{FF2B5EF4-FFF2-40B4-BE49-F238E27FC236}">
+                    <a16:creationId xmlns:a16="http://schemas.microsoft.com/office/drawing/2014/main" id="{4911F143-F404-C5C7-CE35-DE175ABF161F}"/>
+                  </a:ext>
+                </a:extLst>
+              </p:cNvPr>
+              <p:cNvSpPr txBox="1"/>
+              <p:nvPr/>
+            </p:nvSpPr>
+            <p:spPr>
+              <a:xfrm>
+                <a:off x="1692800" y="185482"/>
+                <a:ext cx="389850" cy="292388"/>
+              </a:xfrm>
+              <a:prstGeom prst="rect">
+                <a:avLst/>
+              </a:prstGeom>
+              <a:noFill/>
+            </p:spPr>
+            <p:txBody>
+              <a:bodyPr wrap="none" rtlCol="0">
+                <a:spAutoFit/>
+              </a:bodyPr>
+              <a:lstStyle/>
+              <a:p>
+                <a:r>
+                  <a:rPr lang="en-US" sz="1300" dirty="0">
+                    <a:latin typeface="Arial" panose="020B0604020202020204" pitchFamily="34" charset="0"/>
+                    <a:cs typeface="Arial" panose="020B0604020202020204" pitchFamily="34" charset="0"/>
+                  </a:rPr>
+                  <a:t>(a)</a:t>
+                </a:r>
+              </a:p>
+            </p:txBody>
+          </p:sp>
+          <p:sp>
+            <p:nvSpPr>
+              <p:cNvPr id="32" name="TextBox 31">
+                <a:extLst>
+                  <a:ext uri="{FF2B5EF4-FFF2-40B4-BE49-F238E27FC236}">
+                    <a16:creationId xmlns:a16="http://schemas.microsoft.com/office/drawing/2014/main" id="{3EBB0FC9-8901-029F-3EB2-5899E12A3A7D}"/>
+                  </a:ext>
+                </a:extLst>
+              </p:cNvPr>
+              <p:cNvSpPr txBox="1"/>
+              <p:nvPr/>
+            </p:nvSpPr>
+            <p:spPr>
+              <a:xfrm>
+                <a:off x="5574767" y="185482"/>
+                <a:ext cx="389850" cy="292388"/>
+              </a:xfrm>
+              <a:prstGeom prst="rect">
+                <a:avLst/>
+              </a:prstGeom>
+              <a:noFill/>
+            </p:spPr>
+            <p:txBody>
+              <a:bodyPr wrap="none" rtlCol="0">
+                <a:spAutoFit/>
+              </a:bodyPr>
+              <a:lstStyle/>
+              <a:p>
+                <a:r>
+                  <a:rPr lang="en-US" sz="1300" dirty="0">
+                    <a:latin typeface="Arial" panose="020B0604020202020204" pitchFamily="34" charset="0"/>
+                    <a:cs typeface="Arial" panose="020B0604020202020204" pitchFamily="34" charset="0"/>
+                  </a:rPr>
+                  <a:t>(b)</a:t>
+                </a:r>
+              </a:p>
+            </p:txBody>
+          </p:sp>
+          <p:sp>
+            <p:nvSpPr>
+              <p:cNvPr id="33" name="TextBox 32">
+                <a:extLst>
+                  <a:ext uri="{FF2B5EF4-FFF2-40B4-BE49-F238E27FC236}">
+                    <a16:creationId xmlns:a16="http://schemas.microsoft.com/office/drawing/2014/main" id="{5DFE155C-AB1E-A5BF-BCED-7DEB5D7E7B1D}"/>
+                  </a:ext>
+                </a:extLst>
+              </p:cNvPr>
+              <p:cNvSpPr txBox="1"/>
+              <p:nvPr/>
+            </p:nvSpPr>
+            <p:spPr>
+              <a:xfrm>
+                <a:off x="2472337" y="3384939"/>
+                <a:ext cx="380232" cy="292388"/>
+              </a:xfrm>
+              <a:prstGeom prst="rect">
+                <a:avLst/>
+              </a:prstGeom>
+              <a:noFill/>
+            </p:spPr>
+            <p:txBody>
+              <a:bodyPr wrap="none" rtlCol="0">
+                <a:spAutoFit/>
+              </a:bodyPr>
+              <a:lstStyle/>
+              <a:p>
+                <a:r>
+                  <a:rPr lang="en-US" sz="1300" dirty="0">
+                    <a:latin typeface="Arial" panose="020B0604020202020204" pitchFamily="34" charset="0"/>
+                    <a:cs typeface="Arial" panose="020B0604020202020204" pitchFamily="34" charset="0"/>
+                  </a:rPr>
+                  <a:t>(c)</a:t>
+                </a:r>
+              </a:p>
+            </p:txBody>
+          </p:sp>
+          <p:sp>
+            <p:nvSpPr>
+              <p:cNvPr id="34" name="TextBox 33">
+                <a:extLst>
+                  <a:ext uri="{FF2B5EF4-FFF2-40B4-BE49-F238E27FC236}">
+                    <a16:creationId xmlns:a16="http://schemas.microsoft.com/office/drawing/2014/main" id="{9E6D2FC5-AF8F-64C1-486A-DDDF8C63DC4A}"/>
+                  </a:ext>
+                </a:extLst>
+              </p:cNvPr>
+              <p:cNvSpPr txBox="1"/>
+              <p:nvPr/>
+            </p:nvSpPr>
+            <p:spPr>
+              <a:xfrm>
+                <a:off x="5022157" y="3384939"/>
+                <a:ext cx="389850" cy="292388"/>
+              </a:xfrm>
+              <a:prstGeom prst="rect">
+                <a:avLst/>
+              </a:prstGeom>
+              <a:noFill/>
+            </p:spPr>
+            <p:txBody>
+              <a:bodyPr wrap="none" rtlCol="0">
+                <a:spAutoFit/>
+              </a:bodyPr>
+              <a:lstStyle/>
+              <a:p>
+                <a:r>
+                  <a:rPr lang="en-US" sz="1300" dirty="0">
+                    <a:latin typeface="Arial" panose="020B0604020202020204" pitchFamily="34" charset="0"/>
+                    <a:cs typeface="Arial" panose="020B0604020202020204" pitchFamily="34" charset="0"/>
+                  </a:rPr>
+                  <a:t>(d)</a:t>
+                </a:r>
+              </a:p>
+            </p:txBody>
+          </p:sp>
+        </p:grpSp>
+        <p:pic>
+          <p:nvPicPr>
+            <p:cNvPr id="46" name="Picture 45" descr="A picture containing dark&#10;&#10;Description automatically generated">
+              <a:extLst>
+                <a:ext uri="{FF2B5EF4-FFF2-40B4-BE49-F238E27FC236}">
+                  <a16:creationId xmlns:a16="http://schemas.microsoft.com/office/drawing/2014/main" id="{DC5DFA52-5F0B-66F4-22E6-BC2438835853}"/>
+                </a:ext>
+              </a:extLst>
+            </p:cNvPr>
+            <p:cNvPicPr>
+              <a:picLocks noChangeAspect="1"/>
+            </p:cNvPicPr>
+            <p:nvPr/>
+          </p:nvPicPr>
+          <p:blipFill>
+            <a:blip r:embed="rId6">
+              <a:extLst>
+                <a:ext uri="{28A0092B-C50C-407E-A947-70E740481C1C}">
+                  <a14:useLocalDpi xmlns:a14="http://schemas.microsoft.com/office/drawing/2010/main" val="0"/>
+                </a:ext>
+              </a:extLst>
+            </a:blip>
+            <a:stretch>
+              <a:fillRect/>
+            </a:stretch>
+          </p:blipFill>
+          <p:spPr>
+            <a:xfrm>
+              <a:off x="1544130" y="-1355358"/>
+              <a:ext cx="5166371" cy="3877064"/>
+            </a:xfrm>
+            <a:prstGeom prst="rect">
+              <a:avLst/>
+            </a:prstGeom>
+          </p:spPr>
+        </p:pic>
+      </p:grpSp>
     </p:spTree>
     <p:extLst>
       <p:ext uri="{BB962C8B-B14F-4D97-AF65-F5344CB8AC3E}">

--- a/slides/update.pptx
+++ b/slides/update.pptx
@@ -7,7 +7,6 @@
   <p:sldIdLst>
     <p:sldId id="256" r:id="rId2"/>
     <p:sldId id="257" r:id="rId3"/>
-    <p:sldId id="258" r:id="rId4"/>
   </p:sldIdLst>
   <p:sldSz cx="12192000" cy="6858000"/>
   <p:notesSz cx="6858000" cy="9144000"/>
@@ -261,7 +260,7 @@
           <a:p>
             <a:fld id="{F4C5C1D6-8A76-4E3D-9543-AF73DC078787}" type="datetimeFigureOut">
               <a:rPr lang="en-US" smtClean="0"/>
-              <a:t>4/27/2023</a:t>
+              <a:t>4/28/23</a:t>
             </a:fld>
             <a:endParaRPr lang="en-US"/>
           </a:p>
@@ -459,7 +458,7 @@
           <a:p>
             <a:fld id="{F4C5C1D6-8A76-4E3D-9543-AF73DC078787}" type="datetimeFigureOut">
               <a:rPr lang="en-US" smtClean="0"/>
-              <a:t>4/27/2023</a:t>
+              <a:t>4/28/23</a:t>
             </a:fld>
             <a:endParaRPr lang="en-US"/>
           </a:p>
@@ -667,7 +666,7 @@
           <a:p>
             <a:fld id="{F4C5C1D6-8A76-4E3D-9543-AF73DC078787}" type="datetimeFigureOut">
               <a:rPr lang="en-US" smtClean="0"/>
-              <a:t>4/27/2023</a:t>
+              <a:t>4/28/23</a:t>
             </a:fld>
             <a:endParaRPr lang="en-US"/>
           </a:p>
@@ -865,7 +864,7 @@
           <a:p>
             <a:fld id="{F4C5C1D6-8A76-4E3D-9543-AF73DC078787}" type="datetimeFigureOut">
               <a:rPr lang="en-US" smtClean="0"/>
-              <a:t>4/27/2023</a:t>
+              <a:t>4/28/23</a:t>
             </a:fld>
             <a:endParaRPr lang="en-US"/>
           </a:p>
@@ -1140,7 +1139,7 @@
           <a:p>
             <a:fld id="{F4C5C1D6-8A76-4E3D-9543-AF73DC078787}" type="datetimeFigureOut">
               <a:rPr lang="en-US" smtClean="0"/>
-              <a:t>4/27/2023</a:t>
+              <a:t>4/28/23</a:t>
             </a:fld>
             <a:endParaRPr lang="en-US"/>
           </a:p>
@@ -1405,7 +1404,7 @@
           <a:p>
             <a:fld id="{F4C5C1D6-8A76-4E3D-9543-AF73DC078787}" type="datetimeFigureOut">
               <a:rPr lang="en-US" smtClean="0"/>
-              <a:t>4/27/2023</a:t>
+              <a:t>4/28/23</a:t>
             </a:fld>
             <a:endParaRPr lang="en-US"/>
           </a:p>
@@ -1817,7 +1816,7 @@
           <a:p>
             <a:fld id="{F4C5C1D6-8A76-4E3D-9543-AF73DC078787}" type="datetimeFigureOut">
               <a:rPr lang="en-US" smtClean="0"/>
-              <a:t>4/27/2023</a:t>
+              <a:t>4/28/23</a:t>
             </a:fld>
             <a:endParaRPr lang="en-US"/>
           </a:p>
@@ -1958,7 +1957,7 @@
           <a:p>
             <a:fld id="{F4C5C1D6-8A76-4E3D-9543-AF73DC078787}" type="datetimeFigureOut">
               <a:rPr lang="en-US" smtClean="0"/>
-              <a:t>4/27/2023</a:t>
+              <a:t>4/28/23</a:t>
             </a:fld>
             <a:endParaRPr lang="en-US"/>
           </a:p>
@@ -2071,7 +2070,7 @@
           <a:p>
             <a:fld id="{F4C5C1D6-8A76-4E3D-9543-AF73DC078787}" type="datetimeFigureOut">
               <a:rPr lang="en-US" smtClean="0"/>
-              <a:t>4/27/2023</a:t>
+              <a:t>4/28/23</a:t>
             </a:fld>
             <a:endParaRPr lang="en-US"/>
           </a:p>
@@ -2382,7 +2381,7 @@
           <a:p>
             <a:fld id="{F4C5C1D6-8A76-4E3D-9543-AF73DC078787}" type="datetimeFigureOut">
               <a:rPr lang="en-US" smtClean="0"/>
-              <a:t>4/27/2023</a:t>
+              <a:t>4/28/23</a:t>
             </a:fld>
             <a:endParaRPr lang="en-US"/>
           </a:p>
@@ -2670,7 +2669,7 @@
           <a:p>
             <a:fld id="{F4C5C1D6-8A76-4E3D-9543-AF73DC078787}" type="datetimeFigureOut">
               <a:rPr lang="en-US" smtClean="0"/>
-              <a:t>4/27/2023</a:t>
+              <a:t>4/28/23</a:t>
             </a:fld>
             <a:endParaRPr lang="en-US"/>
           </a:p>
@@ -2911,7 +2910,7 @@
           <a:p>
             <a:fld id="{F4C5C1D6-8A76-4E3D-9543-AF73DC078787}" type="datetimeFigureOut">
               <a:rPr lang="en-US" smtClean="0"/>
-              <a:t>4/27/2023</a:t>
+              <a:t>4/28/23</a:t>
             </a:fld>
             <a:endParaRPr lang="en-US"/>
           </a:p>
@@ -3330,10 +3329,10 @@
       </p:grpSpPr>
       <p:pic>
         <p:nvPicPr>
-          <p:cNvPr id="31" name="Picture 30">
-            <a:extLst>
-              <a:ext uri="{FF2B5EF4-FFF2-40B4-BE49-F238E27FC236}">
-                <a16:creationId xmlns:a16="http://schemas.microsoft.com/office/drawing/2014/main" id="{771CD1B4-6A27-376E-B49E-269817752D7B}"/>
+          <p:cNvPr id="2" name="Picture 1" descr="Qr code&#10;&#10;Description automatically generated">
+            <a:extLst>
+              <a:ext uri="{FF2B5EF4-FFF2-40B4-BE49-F238E27FC236}">
+                <a16:creationId xmlns:a16="http://schemas.microsoft.com/office/drawing/2014/main" id="{0A627A9C-29C7-4D6B-CC02-77B481A2D969}"/>
               </a:ext>
             </a:extLst>
           </p:cNvPr>
@@ -3343,135 +3342,21 @@
           <p:nvPr/>
         </p:nvPicPr>
         <p:blipFill>
-          <a:blip r:embed="rId2"/>
+          <a:blip r:embed="rId2">
+            <a:extLst>
+              <a:ext uri="{28A0092B-C50C-407E-A947-70E740481C1C}">
+                <a14:useLocalDpi xmlns:a14="http://schemas.microsoft.com/office/drawing/2010/main" val="0"/>
+              </a:ext>
+            </a:extLst>
+          </a:blip>
           <a:stretch>
             <a:fillRect/>
           </a:stretch>
         </p:blipFill>
         <p:spPr>
           <a:xfrm>
-            <a:off x="5991419" y="-365420"/>
-            <a:ext cx="5852172" cy="4389129"/>
-          </a:xfrm>
-          <a:prstGeom prst="rect">
-            <a:avLst/>
-          </a:prstGeom>
-        </p:spPr>
-      </p:pic>
-      <p:pic>
-        <p:nvPicPr>
-          <p:cNvPr id="39" name="Picture 38">
-            <a:extLst>
-              <a:ext uri="{FF2B5EF4-FFF2-40B4-BE49-F238E27FC236}">
-                <a16:creationId xmlns:a16="http://schemas.microsoft.com/office/drawing/2014/main" id="{BED9718E-5CD6-2F41-3B80-1EEB24ED62C0}"/>
-              </a:ext>
-            </a:extLst>
-          </p:cNvPr>
-          <p:cNvPicPr>
-            <a:picLocks noChangeAspect="1"/>
-          </p:cNvPicPr>
-          <p:nvPr/>
-        </p:nvPicPr>
-        <p:blipFill>
-          <a:blip r:embed="rId3"/>
-          <a:stretch>
-            <a:fillRect/>
-          </a:stretch>
-        </p:blipFill>
-        <p:spPr>
-          <a:xfrm>
-            <a:off x="0" y="4023710"/>
-            <a:ext cx="5852172" cy="4389129"/>
-          </a:xfrm>
-          <a:prstGeom prst="rect">
-            <a:avLst/>
-          </a:prstGeom>
-        </p:spPr>
-      </p:pic>
-      <p:pic>
-        <p:nvPicPr>
-          <p:cNvPr id="49" name="Picture 48">
-            <a:extLst>
-              <a:ext uri="{FF2B5EF4-FFF2-40B4-BE49-F238E27FC236}">
-                <a16:creationId xmlns:a16="http://schemas.microsoft.com/office/drawing/2014/main" id="{A97A38E0-4AA8-BF95-5AD4-DCFABD521AC4}"/>
-              </a:ext>
-            </a:extLst>
-          </p:cNvPr>
-          <p:cNvPicPr>
-            <a:picLocks noChangeAspect="1"/>
-          </p:cNvPicPr>
-          <p:nvPr/>
-        </p:nvPicPr>
-        <p:blipFill>
-          <a:blip r:embed="rId4"/>
-          <a:stretch>
-            <a:fillRect/>
-          </a:stretch>
-        </p:blipFill>
-        <p:spPr>
-          <a:xfrm>
-            <a:off x="139247" y="-516296"/>
-            <a:ext cx="5852172" cy="4389129"/>
-          </a:xfrm>
-          <a:prstGeom prst="rect">
-            <a:avLst/>
-          </a:prstGeom>
-        </p:spPr>
-      </p:pic>
-      <p:pic>
-        <p:nvPicPr>
-          <p:cNvPr id="57" name="Picture 56">
-            <a:extLst>
-              <a:ext uri="{FF2B5EF4-FFF2-40B4-BE49-F238E27FC236}">
-                <a16:creationId xmlns:a16="http://schemas.microsoft.com/office/drawing/2014/main" id="{10F0A261-DFB5-61C9-3693-113431DB1BCB}"/>
-              </a:ext>
-            </a:extLst>
-          </p:cNvPr>
-          <p:cNvPicPr>
-            <a:picLocks noChangeAspect="1"/>
-          </p:cNvPicPr>
-          <p:nvPr/>
-        </p:nvPicPr>
-        <p:blipFill>
-          <a:blip r:embed="rId5"/>
-          <a:stretch>
-            <a:fillRect/>
-          </a:stretch>
-        </p:blipFill>
-        <p:spPr>
-          <a:xfrm>
-            <a:off x="5790251" y="4325463"/>
-            <a:ext cx="3127254" cy="4087376"/>
-          </a:xfrm>
-          <a:prstGeom prst="rect">
-            <a:avLst/>
-          </a:prstGeom>
-        </p:spPr>
-      </p:pic>
-      <p:pic>
-        <p:nvPicPr>
-          <p:cNvPr id="65" name="Picture 64">
-            <a:extLst>
-              <a:ext uri="{FF2B5EF4-FFF2-40B4-BE49-F238E27FC236}">
-                <a16:creationId xmlns:a16="http://schemas.microsoft.com/office/drawing/2014/main" id="{80FC26DA-5DBC-DD8E-F7BC-FB9A81E256D4}"/>
-              </a:ext>
-            </a:extLst>
-          </p:cNvPr>
-          <p:cNvPicPr>
-            <a:picLocks noChangeAspect="1"/>
-          </p:cNvPicPr>
-          <p:nvPr/>
-        </p:nvPicPr>
-        <p:blipFill>
-          <a:blip r:embed="rId6"/>
-          <a:stretch>
-            <a:fillRect/>
-          </a:stretch>
-        </p:blipFill>
-        <p:spPr>
-          <a:xfrm>
-            <a:off x="8831976" y="4297257"/>
-            <a:ext cx="4754890" cy="3300991"/>
+            <a:off x="2209800" y="1337982"/>
+            <a:ext cx="6674224" cy="5005668"/>
           </a:xfrm>
           <a:prstGeom prst="rect">
             <a:avLst/>
@@ -3481,7 +3366,7 @@
     </p:spTree>
     <p:extLst>
       <p:ext uri="{BB962C8B-B14F-4D97-AF65-F5344CB8AC3E}">
-        <p14:creationId xmlns:p14="http://schemas.microsoft.com/office/powerpoint/2010/main" val="3148149412"/>
+        <p14:creationId xmlns:p14="http://schemas.microsoft.com/office/powerpoint/2010/main" val="4206633699"/>
       </p:ext>
     </p:extLst>
   </p:cSld>
@@ -3510,10 +3395,10 @@
       </p:grpSpPr>
       <p:pic>
         <p:nvPicPr>
-          <p:cNvPr id="3" name="Picture 2" descr="A picture containing text, monitor, screen&#10;&#10;Description automatically generated">
-            <a:extLst>
-              <a:ext uri="{FF2B5EF4-FFF2-40B4-BE49-F238E27FC236}">
-                <a16:creationId xmlns:a16="http://schemas.microsoft.com/office/drawing/2014/main" id="{99F19F7F-AE4C-51FB-B188-6EB9E08F1C05}"/>
+          <p:cNvPr id="3" name="Picture 2" descr="A picture containing background pattern&#10;&#10;Description automatically generated">
+            <a:extLst>
+              <a:ext uri="{FF2B5EF4-FFF2-40B4-BE49-F238E27FC236}">
+                <a16:creationId xmlns:a16="http://schemas.microsoft.com/office/drawing/2014/main" id="{0BDB6B5F-B9FB-B22C-BB21-8C52B72FD412}"/>
               </a:ext>
             </a:extLst>
           </p:cNvPr>
@@ -3536,152 +3421,8 @@
         </p:blipFill>
         <p:spPr>
           <a:xfrm>
-            <a:off x="8979426" y="2743355"/>
-            <a:ext cx="5852172" cy="4389129"/>
-          </a:xfrm>
-          <a:prstGeom prst="rect">
-            <a:avLst/>
-          </a:prstGeom>
-        </p:spPr>
-      </p:pic>
-      <p:pic>
-        <p:nvPicPr>
-          <p:cNvPr id="5" name="Picture 4" descr="A picture containing text, monitor, television, screen&#10;&#10;Description automatically generated">
-            <a:extLst>
-              <a:ext uri="{FF2B5EF4-FFF2-40B4-BE49-F238E27FC236}">
-                <a16:creationId xmlns:a16="http://schemas.microsoft.com/office/drawing/2014/main" id="{158BC77C-BC6B-A4DE-FA64-7E00073947BF}"/>
-              </a:ext>
-            </a:extLst>
-          </p:cNvPr>
-          <p:cNvPicPr>
-            <a:picLocks noChangeAspect="1"/>
-          </p:cNvPicPr>
-          <p:nvPr/>
-        </p:nvPicPr>
-        <p:blipFill>
-          <a:blip r:embed="rId3">
-            <a:extLst>
-              <a:ext uri="{28A0092B-C50C-407E-A947-70E740481C1C}">
-                <a14:useLocalDpi xmlns:a14="http://schemas.microsoft.com/office/drawing/2010/main" val="0"/>
-              </a:ext>
-            </a:extLst>
-          </a:blip>
-          <a:stretch>
-            <a:fillRect/>
-          </a:stretch>
-        </p:blipFill>
-        <p:spPr>
-          <a:xfrm>
-            <a:off x="5501627" y="-940889"/>
-            <a:ext cx="4754890" cy="3300991"/>
-          </a:xfrm>
-          <a:prstGeom prst="rect">
-            <a:avLst/>
-          </a:prstGeom>
-        </p:spPr>
-      </p:pic>
-      <p:pic>
-        <p:nvPicPr>
-          <p:cNvPr id="7" name="Picture 6" descr="Chart&#10;&#10;Description automatically generated">
-            <a:extLst>
-              <a:ext uri="{FF2B5EF4-FFF2-40B4-BE49-F238E27FC236}">
-                <a16:creationId xmlns:a16="http://schemas.microsoft.com/office/drawing/2014/main" id="{3E618DD1-2044-13B4-3ECC-361458BD932A}"/>
-              </a:ext>
-            </a:extLst>
-          </p:cNvPr>
-          <p:cNvPicPr>
-            <a:picLocks noChangeAspect="1"/>
-          </p:cNvPicPr>
-          <p:nvPr/>
-        </p:nvPicPr>
-        <p:blipFill>
-          <a:blip r:embed="rId4">
-            <a:extLst>
-              <a:ext uri="{28A0092B-C50C-407E-A947-70E740481C1C}">
-                <a14:useLocalDpi xmlns:a14="http://schemas.microsoft.com/office/drawing/2010/main" val="0"/>
-              </a:ext>
-            </a:extLst>
-          </a:blip>
-          <a:stretch>
-            <a:fillRect/>
-          </a:stretch>
-        </p:blipFill>
-        <p:spPr>
-          <a:xfrm>
-            <a:off x="3127254" y="2717868"/>
-            <a:ext cx="5852172" cy="4389129"/>
-          </a:xfrm>
-          <a:prstGeom prst="rect">
-            <a:avLst/>
-          </a:prstGeom>
-        </p:spPr>
-      </p:pic>
-      <p:pic>
-        <p:nvPicPr>
-          <p:cNvPr id="9" name="Picture 8" descr="A picture containing shape&#10;&#10;Description automatically generated">
-            <a:extLst>
-              <a:ext uri="{FF2B5EF4-FFF2-40B4-BE49-F238E27FC236}">
-                <a16:creationId xmlns:a16="http://schemas.microsoft.com/office/drawing/2014/main" id="{BCE76D35-F6DA-F690-F776-51F590F0E0AD}"/>
-              </a:ext>
-            </a:extLst>
-          </p:cNvPr>
-          <p:cNvPicPr>
-            <a:picLocks noChangeAspect="1"/>
-          </p:cNvPicPr>
-          <p:nvPr/>
-        </p:nvPicPr>
-        <p:blipFill>
-          <a:blip r:embed="rId5">
-            <a:extLst>
-              <a:ext uri="{28A0092B-C50C-407E-A947-70E740481C1C}">
-                <a14:useLocalDpi xmlns:a14="http://schemas.microsoft.com/office/drawing/2010/main" val="0"/>
-              </a:ext>
-            </a:extLst>
-          </a:blip>
-          <a:stretch>
-            <a:fillRect/>
-          </a:stretch>
-        </p:blipFill>
-        <p:spPr>
-          <a:xfrm>
-            <a:off x="0" y="3126806"/>
-            <a:ext cx="3127254" cy="4087376"/>
-          </a:xfrm>
-          <a:prstGeom prst="rect">
-            <a:avLst/>
-          </a:prstGeom>
-        </p:spPr>
-      </p:pic>
-      <p:pic>
-        <p:nvPicPr>
-          <p:cNvPr id="11" name="Picture 10" descr="Chart&#10;&#10;Description automatically generated">
-            <a:extLst>
-              <a:ext uri="{FF2B5EF4-FFF2-40B4-BE49-F238E27FC236}">
-                <a16:creationId xmlns:a16="http://schemas.microsoft.com/office/drawing/2014/main" id="{0F5F5ED7-E9B8-ED7F-D7D0-C02A30CC56FB}"/>
-              </a:ext>
-            </a:extLst>
-          </p:cNvPr>
-          <p:cNvPicPr>
-            <a:picLocks noChangeAspect="1"/>
-          </p:cNvPicPr>
-          <p:nvPr/>
-        </p:nvPicPr>
-        <p:blipFill>
-          <a:blip r:embed="rId6">
-            <a:extLst>
-              <a:ext uri="{28A0092B-C50C-407E-A947-70E740481C1C}">
-                <a14:useLocalDpi xmlns:a14="http://schemas.microsoft.com/office/drawing/2010/main" val="0"/>
-              </a:ext>
-            </a:extLst>
-          </a:blip>
-          <a:stretch>
-            <a:fillRect/>
-          </a:stretch>
-        </p:blipFill>
-        <p:spPr>
-          <a:xfrm>
-            <a:off x="-186897" y="-1226227"/>
-            <a:ext cx="5852172" cy="4389129"/>
+            <a:off x="1497106" y="304800"/>
+            <a:ext cx="7772400" cy="5829300"/>
           </a:xfrm>
           <a:prstGeom prst="rect">
             <a:avLst/>
@@ -3691,562 +3432,7 @@
     </p:spTree>
     <p:extLst>
       <p:ext uri="{BB962C8B-B14F-4D97-AF65-F5344CB8AC3E}">
-        <p14:creationId xmlns:p14="http://schemas.microsoft.com/office/powerpoint/2010/main" val="3596762935"/>
-      </p:ext>
-    </p:extLst>
-  </p:cSld>
-  <p:clrMapOvr>
-    <a:masterClrMapping/>
-  </p:clrMapOvr>
-</p:sld>
-</file>
-
-<file path=ppt/slides/slide3.xml><?xml version="1.0" encoding="utf-8"?>
-<p:sld xmlns:a="http://schemas.openxmlformats.org/drawingml/2006/main" xmlns:r="http://schemas.openxmlformats.org/officeDocument/2006/relationships" xmlns:p="http://schemas.openxmlformats.org/presentationml/2006/main">
-  <p:cSld>
-    <p:spTree>
-      <p:nvGrpSpPr>
-        <p:cNvPr id="1" name=""/>
-        <p:cNvGrpSpPr/>
-        <p:nvPr/>
-      </p:nvGrpSpPr>
-      <p:grpSpPr>
-        <a:xfrm>
-          <a:off x="0" y="0"/>
-          <a:ext cx="0" cy="0"/>
-          <a:chOff x="0" y="0"/>
-          <a:chExt cx="0" cy="0"/>
-        </a:xfrm>
-      </p:grpSpPr>
-      <p:grpSp>
-        <p:nvGrpSpPr>
-          <p:cNvPr id="47" name="Group 46">
-            <a:extLst>
-              <a:ext uri="{FF2B5EF4-FFF2-40B4-BE49-F238E27FC236}">
-                <a16:creationId xmlns:a16="http://schemas.microsoft.com/office/drawing/2014/main" id="{260A37C3-762F-B58E-E275-AD3A078AF177}"/>
-              </a:ext>
-            </a:extLst>
-          </p:cNvPr>
-          <p:cNvGrpSpPr/>
-          <p:nvPr/>
-        </p:nvGrpSpPr>
-        <p:grpSpPr>
-          <a:xfrm>
-            <a:off x="1544130" y="-1653593"/>
-            <a:ext cx="11086020" cy="8511593"/>
-            <a:chOff x="1544130" y="-1653593"/>
-            <a:chExt cx="11086020" cy="8511593"/>
-          </a:xfrm>
-        </p:grpSpPr>
-        <p:grpSp>
-          <p:nvGrpSpPr>
-            <p:cNvPr id="36" name="Group 35">
-              <a:extLst>
-                <a:ext uri="{FF2B5EF4-FFF2-40B4-BE49-F238E27FC236}">
-                  <a16:creationId xmlns:a16="http://schemas.microsoft.com/office/drawing/2014/main" id="{B13EB492-F573-E836-42B4-B98FA697DC52}"/>
-                </a:ext>
-              </a:extLst>
-            </p:cNvPr>
-            <p:cNvGrpSpPr/>
-            <p:nvPr/>
-          </p:nvGrpSpPr>
-          <p:grpSpPr>
-            <a:xfrm>
-              <a:off x="1694030" y="-1653593"/>
-              <a:ext cx="10936120" cy="8511593"/>
-              <a:chOff x="1692800" y="1"/>
-              <a:chExt cx="8811500" cy="6857999"/>
-            </a:xfrm>
-          </p:grpSpPr>
-          <p:grpSp>
-            <p:nvGrpSpPr>
-              <p:cNvPr id="30" name="Group 29">
-                <a:extLst>
-                  <a:ext uri="{FF2B5EF4-FFF2-40B4-BE49-F238E27FC236}">
-                    <a16:creationId xmlns:a16="http://schemas.microsoft.com/office/drawing/2014/main" id="{5DC488ED-45FE-B8D6-5484-8E904BA0DB62}"/>
-                  </a:ext>
-                </a:extLst>
-              </p:cNvPr>
-              <p:cNvGrpSpPr/>
-              <p:nvPr/>
-            </p:nvGrpSpPr>
-            <p:grpSpPr>
-              <a:xfrm>
-                <a:off x="2467406" y="1"/>
-                <a:ext cx="8036894" cy="6857999"/>
-                <a:chOff x="1606287" y="-935756"/>
-                <a:chExt cx="10103294" cy="8621288"/>
-              </a:xfrm>
-            </p:grpSpPr>
-            <p:grpSp>
-              <p:nvGrpSpPr>
-                <p:cNvPr id="28" name="Group 27">
-                  <a:extLst>
-                    <a:ext uri="{FF2B5EF4-FFF2-40B4-BE49-F238E27FC236}">
-                      <a16:creationId xmlns:a16="http://schemas.microsoft.com/office/drawing/2014/main" id="{B034E9C3-2928-0A10-A284-D833F81FDE01}"/>
-                    </a:ext>
-                  </a:extLst>
-                </p:cNvPr>
-                <p:cNvGrpSpPr/>
-                <p:nvPr/>
-              </p:nvGrpSpPr>
-              <p:grpSpPr>
-                <a:xfrm>
-                  <a:off x="1606287" y="3296403"/>
-                  <a:ext cx="8979426" cy="4389129"/>
-                  <a:chOff x="1124462" y="3429000"/>
-                  <a:chExt cx="8979426" cy="4389129"/>
-                </a:xfrm>
-              </p:grpSpPr>
-              <p:pic>
-                <p:nvPicPr>
-                  <p:cNvPr id="4" name="Picture 3" descr="A picture containing shape&#10;&#10;Description automatically generated">
-                    <a:extLst>
-                      <a:ext uri="{FF2B5EF4-FFF2-40B4-BE49-F238E27FC236}">
-                        <a16:creationId xmlns:a16="http://schemas.microsoft.com/office/drawing/2014/main" id="{DF6EA223-F5B3-8C37-3D8F-21DA1F7E8054}"/>
-                      </a:ext>
-                    </a:extLst>
-                  </p:cNvPr>
-                  <p:cNvPicPr>
-                    <a:picLocks noChangeAspect="1"/>
-                  </p:cNvPicPr>
-                  <p:nvPr/>
-                </p:nvPicPr>
-                <p:blipFill>
-                  <a:blip r:embed="rId2">
-                    <a:extLst>
-                      <a:ext uri="{28A0092B-C50C-407E-A947-70E740481C1C}">
-                        <a14:useLocalDpi xmlns:a14="http://schemas.microsoft.com/office/drawing/2010/main" val="0"/>
-                      </a:ext>
-                    </a:extLst>
-                  </a:blip>
-                  <a:stretch>
-                    <a:fillRect/>
-                  </a:stretch>
-                </p:blipFill>
-                <p:spPr>
-                  <a:xfrm>
-                    <a:off x="1124462" y="3715524"/>
-                    <a:ext cx="3127254" cy="4087376"/>
-                  </a:xfrm>
-                  <a:prstGeom prst="rect">
-                    <a:avLst/>
-                  </a:prstGeom>
-                </p:spPr>
-              </p:pic>
-              <p:pic>
-                <p:nvPicPr>
-                  <p:cNvPr id="5" name="Picture 4" descr="Chart&#10;&#10;Description automatically generated">
-                    <a:extLst>
-                      <a:ext uri="{FF2B5EF4-FFF2-40B4-BE49-F238E27FC236}">
-                        <a16:creationId xmlns:a16="http://schemas.microsoft.com/office/drawing/2014/main" id="{CC80418D-9B06-72D6-0CFB-281EC029E1F3}"/>
-                      </a:ext>
-                    </a:extLst>
-                  </p:cNvPr>
-                  <p:cNvPicPr>
-                    <a:picLocks noChangeAspect="1"/>
-                  </p:cNvPicPr>
-                  <p:nvPr/>
-                </p:nvPicPr>
-                <p:blipFill>
-                  <a:blip r:embed="rId3">
-                    <a:extLst>
-                      <a:ext uri="{28A0092B-C50C-407E-A947-70E740481C1C}">
-                        <a14:useLocalDpi xmlns:a14="http://schemas.microsoft.com/office/drawing/2010/main" val="0"/>
-                      </a:ext>
-                    </a:extLst>
-                  </a:blip>
-                  <a:stretch>
-                    <a:fillRect/>
-                  </a:stretch>
-                </p:blipFill>
-                <p:spPr>
-                  <a:xfrm>
-                    <a:off x="4251716" y="3429000"/>
-                    <a:ext cx="5852172" cy="4389129"/>
-                  </a:xfrm>
-                  <a:prstGeom prst="rect">
-                    <a:avLst/>
-                  </a:prstGeom>
-                </p:spPr>
-              </p:pic>
-            </p:grpSp>
-            <p:grpSp>
-              <p:nvGrpSpPr>
-                <p:cNvPr id="27" name="Group 26">
-                  <a:extLst>
-                    <a:ext uri="{FF2B5EF4-FFF2-40B4-BE49-F238E27FC236}">
-                      <a16:creationId xmlns:a16="http://schemas.microsoft.com/office/drawing/2014/main" id="{954DF96E-42A2-FC18-951D-28AAEC87BF2E}"/>
-                    </a:ext>
-                  </a:extLst>
-                </p:cNvPr>
-                <p:cNvGrpSpPr/>
-                <p:nvPr/>
-              </p:nvGrpSpPr>
-              <p:grpSpPr>
-                <a:xfrm>
-                  <a:off x="4496728" y="-935756"/>
-                  <a:ext cx="7212853" cy="4389129"/>
-                  <a:chOff x="4166408" y="-935756"/>
-                  <a:chExt cx="7212853" cy="4389129"/>
-                </a:xfrm>
-              </p:grpSpPr>
-              <p:pic>
-                <p:nvPicPr>
-                  <p:cNvPr id="19" name="Picture 18" descr="A picture containing text&#10;&#10;Description automatically generated">
-                    <a:extLst>
-                      <a:ext uri="{FF2B5EF4-FFF2-40B4-BE49-F238E27FC236}">
-                        <a16:creationId xmlns:a16="http://schemas.microsoft.com/office/drawing/2014/main" id="{90F71601-4216-5A5E-383D-19AADE1917CC}"/>
-                      </a:ext>
-                    </a:extLst>
-                  </p:cNvPr>
-                  <p:cNvPicPr>
-                    <a:picLocks noChangeAspect="1"/>
-                  </p:cNvPicPr>
-                  <p:nvPr/>
-                </p:nvPicPr>
-                <p:blipFill>
-                  <a:blip r:embed="rId4">
-                    <a:extLst>
-                      <a:ext uri="{28A0092B-C50C-407E-A947-70E740481C1C}">
-                        <a14:useLocalDpi xmlns:a14="http://schemas.microsoft.com/office/drawing/2010/main" val="0"/>
-                      </a:ext>
-                    </a:extLst>
-                  </a:blip>
-                  <a:stretch>
-                    <a:fillRect/>
-                  </a:stretch>
-                </p:blipFill>
-                <p:spPr>
-                  <a:xfrm>
-                    <a:off x="4166408" y="-935756"/>
-                    <a:ext cx="5852173" cy="4389129"/>
-                  </a:xfrm>
-                  <a:prstGeom prst="rect">
-                    <a:avLst/>
-                  </a:prstGeom>
-                </p:spPr>
-              </p:pic>
-              <p:pic>
-                <p:nvPicPr>
-                  <p:cNvPr id="18" name="Picture 17" descr="A picture containing text, monitor, screen, television&#10;&#10;Description automatically generated">
-                    <a:extLst>
-                      <a:ext uri="{FF2B5EF4-FFF2-40B4-BE49-F238E27FC236}">
-                        <a16:creationId xmlns:a16="http://schemas.microsoft.com/office/drawing/2014/main" id="{DF9FBBD1-935F-58D3-8597-87785F59266D}"/>
-                      </a:ext>
-                    </a:extLst>
-                  </p:cNvPr>
-                  <p:cNvPicPr>
-                    <a:picLocks noChangeAspect="1"/>
-                  </p:cNvPicPr>
-                  <p:nvPr/>
-                </p:nvPicPr>
-                <p:blipFill>
-                  <a:blip r:embed="rId5">
-                    <a:extLst>
-                      <a:ext uri="{28A0092B-C50C-407E-A947-70E740481C1C}">
-                        <a14:useLocalDpi xmlns:a14="http://schemas.microsoft.com/office/drawing/2010/main" val="0"/>
-                      </a:ext>
-                    </a:extLst>
-                  </a:blip>
-                  <a:stretch>
-                    <a:fillRect/>
-                  </a:stretch>
-                </p:blipFill>
-                <p:spPr>
-                  <a:xfrm>
-                    <a:off x="8279440" y="1491981"/>
-                    <a:ext cx="3099821" cy="1801372"/>
-                  </a:xfrm>
-                  <a:prstGeom prst="rect">
-                    <a:avLst/>
-                  </a:prstGeom>
-                </p:spPr>
-              </p:pic>
-              <p:cxnSp>
-                <p:nvCxnSpPr>
-                  <p:cNvPr id="21" name="Straight Connector 20">
-                    <a:extLst>
-                      <a:ext uri="{FF2B5EF4-FFF2-40B4-BE49-F238E27FC236}">
-                        <a16:creationId xmlns:a16="http://schemas.microsoft.com/office/drawing/2014/main" id="{493D37E1-702F-C973-AFC9-E68DFB5C6749}"/>
-                      </a:ext>
-                    </a:extLst>
-                  </p:cNvPr>
-                  <p:cNvCxnSpPr>
-                    <a:cxnSpLocks/>
-                  </p:cNvCxnSpPr>
-                  <p:nvPr/>
-                </p:nvCxnSpPr>
-                <p:spPr>
-                  <a:xfrm flipV="1">
-                    <a:off x="7439838" y="1847850"/>
-                    <a:ext cx="857250" cy="544817"/>
-                  </a:xfrm>
-                  <a:prstGeom prst="line">
-                    <a:avLst/>
-                  </a:prstGeom>
-                  <a:ln w="38100">
-                    <a:solidFill>
-                      <a:srgbClr val="FF0000"/>
-                    </a:solidFill>
-                    <a:prstDash val="dash"/>
-                  </a:ln>
-                </p:spPr>
-                <p:style>
-                  <a:lnRef idx="1">
-                    <a:schemeClr val="accent1"/>
-                  </a:lnRef>
-                  <a:fillRef idx="0">
-                    <a:schemeClr val="accent1"/>
-                  </a:fillRef>
-                  <a:effectRef idx="0">
-                    <a:schemeClr val="accent1"/>
-                  </a:effectRef>
-                  <a:fontRef idx="minor">
-                    <a:schemeClr val="tx1"/>
-                  </a:fontRef>
-                </p:style>
-              </p:cxnSp>
-              <p:cxnSp>
-                <p:nvCxnSpPr>
-                  <p:cNvPr id="24" name="Straight Connector 23">
-                    <a:extLst>
-                      <a:ext uri="{FF2B5EF4-FFF2-40B4-BE49-F238E27FC236}">
-                        <a16:creationId xmlns:a16="http://schemas.microsoft.com/office/drawing/2014/main" id="{60541F39-96E5-5164-0FE7-6C62173DD8BE}"/>
-                      </a:ext>
-                    </a:extLst>
-                  </p:cNvPr>
-                  <p:cNvCxnSpPr>
-                    <a:cxnSpLocks/>
-                  </p:cNvCxnSpPr>
-                  <p:nvPr/>
-                </p:nvCxnSpPr>
-                <p:spPr>
-                  <a:xfrm>
-                    <a:off x="7439838" y="2802995"/>
-                    <a:ext cx="857250" cy="102130"/>
-                  </a:xfrm>
-                  <a:prstGeom prst="line">
-                    <a:avLst/>
-                  </a:prstGeom>
-                  <a:ln w="38100">
-                    <a:solidFill>
-                      <a:srgbClr val="FF0000"/>
-                    </a:solidFill>
-                    <a:prstDash val="dash"/>
-                  </a:ln>
-                </p:spPr>
-                <p:style>
-                  <a:lnRef idx="1">
-                    <a:schemeClr val="accent1"/>
-                  </a:lnRef>
-                  <a:fillRef idx="0">
-                    <a:schemeClr val="accent1"/>
-                  </a:fillRef>
-                  <a:effectRef idx="0">
-                    <a:schemeClr val="accent1"/>
-                  </a:effectRef>
-                  <a:fontRef idx="minor">
-                    <a:schemeClr val="tx1"/>
-                  </a:fontRef>
-                </p:style>
-              </p:cxnSp>
-            </p:grpSp>
-          </p:grpSp>
-          <p:sp>
-            <p:nvSpPr>
-              <p:cNvPr id="31" name="TextBox 30">
-                <a:extLst>
-                  <a:ext uri="{FF2B5EF4-FFF2-40B4-BE49-F238E27FC236}">
-                    <a16:creationId xmlns:a16="http://schemas.microsoft.com/office/drawing/2014/main" id="{4911F143-F404-C5C7-CE35-DE175ABF161F}"/>
-                  </a:ext>
-                </a:extLst>
-              </p:cNvPr>
-              <p:cNvSpPr txBox="1"/>
-              <p:nvPr/>
-            </p:nvSpPr>
-            <p:spPr>
-              <a:xfrm>
-                <a:off x="1692800" y="185482"/>
-                <a:ext cx="389850" cy="292388"/>
-              </a:xfrm>
-              <a:prstGeom prst="rect">
-                <a:avLst/>
-              </a:prstGeom>
-              <a:noFill/>
-            </p:spPr>
-            <p:txBody>
-              <a:bodyPr wrap="none" rtlCol="0">
-                <a:spAutoFit/>
-              </a:bodyPr>
-              <a:lstStyle/>
-              <a:p>
-                <a:r>
-                  <a:rPr lang="en-US" sz="1300" dirty="0">
-                    <a:latin typeface="Arial" panose="020B0604020202020204" pitchFamily="34" charset="0"/>
-                    <a:cs typeface="Arial" panose="020B0604020202020204" pitchFamily="34" charset="0"/>
-                  </a:rPr>
-                  <a:t>(a)</a:t>
-                </a:r>
-              </a:p>
-            </p:txBody>
-          </p:sp>
-          <p:sp>
-            <p:nvSpPr>
-              <p:cNvPr id="32" name="TextBox 31">
-                <a:extLst>
-                  <a:ext uri="{FF2B5EF4-FFF2-40B4-BE49-F238E27FC236}">
-                    <a16:creationId xmlns:a16="http://schemas.microsoft.com/office/drawing/2014/main" id="{3EBB0FC9-8901-029F-3EB2-5899E12A3A7D}"/>
-                  </a:ext>
-                </a:extLst>
-              </p:cNvPr>
-              <p:cNvSpPr txBox="1"/>
-              <p:nvPr/>
-            </p:nvSpPr>
-            <p:spPr>
-              <a:xfrm>
-                <a:off x="5574767" y="185482"/>
-                <a:ext cx="389850" cy="292388"/>
-              </a:xfrm>
-              <a:prstGeom prst="rect">
-                <a:avLst/>
-              </a:prstGeom>
-              <a:noFill/>
-            </p:spPr>
-            <p:txBody>
-              <a:bodyPr wrap="none" rtlCol="0">
-                <a:spAutoFit/>
-              </a:bodyPr>
-              <a:lstStyle/>
-              <a:p>
-                <a:r>
-                  <a:rPr lang="en-US" sz="1300" dirty="0">
-                    <a:latin typeface="Arial" panose="020B0604020202020204" pitchFamily="34" charset="0"/>
-                    <a:cs typeface="Arial" panose="020B0604020202020204" pitchFamily="34" charset="0"/>
-                  </a:rPr>
-                  <a:t>(b)</a:t>
-                </a:r>
-              </a:p>
-            </p:txBody>
-          </p:sp>
-          <p:sp>
-            <p:nvSpPr>
-              <p:cNvPr id="33" name="TextBox 32">
-                <a:extLst>
-                  <a:ext uri="{FF2B5EF4-FFF2-40B4-BE49-F238E27FC236}">
-                    <a16:creationId xmlns:a16="http://schemas.microsoft.com/office/drawing/2014/main" id="{5DFE155C-AB1E-A5BF-BCED-7DEB5D7E7B1D}"/>
-                  </a:ext>
-                </a:extLst>
-              </p:cNvPr>
-              <p:cNvSpPr txBox="1"/>
-              <p:nvPr/>
-            </p:nvSpPr>
-            <p:spPr>
-              <a:xfrm>
-                <a:off x="2472337" y="3384939"/>
-                <a:ext cx="380232" cy="292388"/>
-              </a:xfrm>
-              <a:prstGeom prst="rect">
-                <a:avLst/>
-              </a:prstGeom>
-              <a:noFill/>
-            </p:spPr>
-            <p:txBody>
-              <a:bodyPr wrap="none" rtlCol="0">
-                <a:spAutoFit/>
-              </a:bodyPr>
-              <a:lstStyle/>
-              <a:p>
-                <a:r>
-                  <a:rPr lang="en-US" sz="1300" dirty="0">
-                    <a:latin typeface="Arial" panose="020B0604020202020204" pitchFamily="34" charset="0"/>
-                    <a:cs typeface="Arial" panose="020B0604020202020204" pitchFamily="34" charset="0"/>
-                  </a:rPr>
-                  <a:t>(c)</a:t>
-                </a:r>
-              </a:p>
-            </p:txBody>
-          </p:sp>
-          <p:sp>
-            <p:nvSpPr>
-              <p:cNvPr id="34" name="TextBox 33">
-                <a:extLst>
-                  <a:ext uri="{FF2B5EF4-FFF2-40B4-BE49-F238E27FC236}">
-                    <a16:creationId xmlns:a16="http://schemas.microsoft.com/office/drawing/2014/main" id="{9E6D2FC5-AF8F-64C1-486A-DDDF8C63DC4A}"/>
-                  </a:ext>
-                </a:extLst>
-              </p:cNvPr>
-              <p:cNvSpPr txBox="1"/>
-              <p:nvPr/>
-            </p:nvSpPr>
-            <p:spPr>
-              <a:xfrm>
-                <a:off x="5022157" y="3384939"/>
-                <a:ext cx="389850" cy="292388"/>
-              </a:xfrm>
-              <a:prstGeom prst="rect">
-                <a:avLst/>
-              </a:prstGeom>
-              <a:noFill/>
-            </p:spPr>
-            <p:txBody>
-              <a:bodyPr wrap="none" rtlCol="0">
-                <a:spAutoFit/>
-              </a:bodyPr>
-              <a:lstStyle/>
-              <a:p>
-                <a:r>
-                  <a:rPr lang="en-US" sz="1300" dirty="0">
-                    <a:latin typeface="Arial" panose="020B0604020202020204" pitchFamily="34" charset="0"/>
-                    <a:cs typeface="Arial" panose="020B0604020202020204" pitchFamily="34" charset="0"/>
-                  </a:rPr>
-                  <a:t>(d)</a:t>
-                </a:r>
-              </a:p>
-            </p:txBody>
-          </p:sp>
-        </p:grpSp>
-        <p:pic>
-          <p:nvPicPr>
-            <p:cNvPr id="46" name="Picture 45" descr="A picture containing dark&#10;&#10;Description automatically generated">
-              <a:extLst>
-                <a:ext uri="{FF2B5EF4-FFF2-40B4-BE49-F238E27FC236}">
-                  <a16:creationId xmlns:a16="http://schemas.microsoft.com/office/drawing/2014/main" id="{DC5DFA52-5F0B-66F4-22E6-BC2438835853}"/>
-                </a:ext>
-              </a:extLst>
-            </p:cNvPr>
-            <p:cNvPicPr>
-              <a:picLocks noChangeAspect="1"/>
-            </p:cNvPicPr>
-            <p:nvPr/>
-          </p:nvPicPr>
-          <p:blipFill>
-            <a:blip r:embed="rId6">
-              <a:extLst>
-                <a:ext uri="{28A0092B-C50C-407E-A947-70E740481C1C}">
-                  <a14:useLocalDpi xmlns:a14="http://schemas.microsoft.com/office/drawing/2010/main" val="0"/>
-                </a:ext>
-              </a:extLst>
-            </a:blip>
-            <a:stretch>
-              <a:fillRect/>
-            </a:stretch>
-          </p:blipFill>
-          <p:spPr>
-            <a:xfrm>
-              <a:off x="1544130" y="-1355358"/>
-              <a:ext cx="5166371" cy="3877064"/>
-            </a:xfrm>
-            <a:prstGeom prst="rect">
-              <a:avLst/>
-            </a:prstGeom>
-          </p:spPr>
-        </p:pic>
-      </p:grpSp>
-    </p:spTree>
-    <p:extLst>
-      <p:ext uri="{BB962C8B-B14F-4D97-AF65-F5344CB8AC3E}">
-        <p14:creationId xmlns:p14="http://schemas.microsoft.com/office/powerpoint/2010/main" val="4133741747"/>
+        <p14:creationId xmlns:p14="http://schemas.microsoft.com/office/powerpoint/2010/main" val="3796849875"/>
       </p:ext>
     </p:extLst>
   </p:cSld>
